--- a/pdfs/w4/D25_.NET_DOM.pptx
+++ b/pdfs/w4/D25_.NET_DOM.pptx
@@ -382,7 +382,7 @@
           <a:p>
             <a:fld id="{9184DA70-C731-4C70-880D-CCD4705E623C}" type="datetime1">
               <a:rPr lang="en-US" smtClean="0"/>
-              <a:t>12/19/2021</a:t>
+              <a:t>12/27/2021</a:t>
             </a:fld>
             <a:endParaRPr lang="en-US" dirty="0"/>
           </a:p>
@@ -570,7 +570,7 @@
           <a:p>
             <a:fld id="{B612A279-0833-481D-8C56-F67FD0AC6C50}" type="datetime1">
               <a:rPr lang="en-US" smtClean="0"/>
-              <a:t>12/19/2021</a:t>
+              <a:t>12/27/2021</a:t>
             </a:fld>
             <a:endParaRPr lang="en-US" dirty="0"/>
           </a:p>
@@ -812,7 +812,7 @@
           <a:p>
             <a:fld id="{6587DA83-5663-4C9C-B9AA-0B40A3DAFF81}" type="datetime1">
               <a:rPr lang="en-US" smtClean="0"/>
-              <a:t>12/19/2021</a:t>
+              <a:t>12/27/2021</a:t>
             </a:fld>
             <a:endParaRPr lang="en-US" dirty="0"/>
           </a:p>
@@ -1000,7 +1000,7 @@
           <a:p>
             <a:fld id="{4BE1D723-8F53-4F53-90B0-1982A396982E}" type="datetime1">
               <a:rPr lang="en-US" smtClean="0"/>
-              <a:t>12/19/2021</a:t>
+              <a:t>12/27/2021</a:t>
             </a:fld>
             <a:endParaRPr lang="en-US" dirty="0"/>
           </a:p>
@@ -1373,7 +1373,7 @@
           <a:p>
             <a:fld id="{97669AF7-7BEB-44E4-9852-375E34362B5B}" type="datetime1">
               <a:rPr lang="en-US" smtClean="0"/>
-              <a:t>12/19/2021</a:t>
+              <a:t>12/27/2021</a:t>
             </a:fld>
             <a:endParaRPr lang="en-US" dirty="0"/>
           </a:p>
@@ -1628,7 +1628,7 @@
           <a:p>
             <a:fld id="{BAAAC38D-0552-4C82-B593-E6124DFADBE2}" type="datetime1">
               <a:rPr lang="en-US" smtClean="0"/>
-              <a:t>12/19/2021</a:t>
+              <a:t>12/27/2021</a:t>
             </a:fld>
             <a:endParaRPr lang="en-US" dirty="0"/>
           </a:p>
@@ -2025,7 +2025,7 @@
           <a:p>
             <a:fld id="{D9DF0F1C-5577-4ACB-BB62-DF8F3C494C7E}" type="datetime1">
               <a:rPr lang="en-US" smtClean="0"/>
-              <a:t>12/19/2021</a:t>
+              <a:t>12/27/2021</a:t>
             </a:fld>
             <a:endParaRPr lang="en-US" dirty="0"/>
           </a:p>
@@ -2161,7 +2161,7 @@
           <a:p>
             <a:fld id="{1775B394-D9F9-4F0C-B15D-605F45CB9E9F}" type="datetime1">
               <a:rPr lang="en-US" smtClean="0"/>
-              <a:t>12/19/2021</a:t>
+              <a:t>12/27/2021</a:t>
             </a:fld>
             <a:endParaRPr lang="en-US" dirty="0"/>
           </a:p>
@@ -2318,7 +2318,7 @@
           <a:p>
             <a:fld id="{39667345-2558-425A-8533-9BFDBCE15005}" type="datetime1">
               <a:rPr lang="en-US" smtClean="0"/>
-              <a:t>12/19/2021</a:t>
+              <a:t>12/27/2021</a:t>
             </a:fld>
             <a:endParaRPr lang="en-US" dirty="0"/>
           </a:p>
@@ -2647,7 +2647,7 @@
           <a:p>
             <a:fld id="{92BEA474-078D-4E9B-9B14-09A87B19DC46}" type="datetime1">
               <a:rPr lang="en-US" smtClean="0"/>
-              <a:t>12/19/2021</a:t>
+              <a:t>12/27/2021</a:t>
             </a:fld>
             <a:endParaRPr lang="en-US" dirty="0"/>
           </a:p>
@@ -2997,7 +2997,7 @@
           <a:p>
             <a:fld id="{4907D986-8816-4272-A432-0437A28A9828}" type="datetime1">
               <a:rPr lang="en-US" smtClean="0"/>
-              <a:t>12/19/2021</a:t>
+              <a:t>12/27/2021</a:t>
             </a:fld>
             <a:endParaRPr lang="en-US" dirty="0"/>
           </a:p>
@@ -3258,7 +3258,7 @@
           <a:p>
             <a:fld id="{62D6E202-B606-4609-B914-27C9371A1F6D}" type="datetime1">
               <a:rPr lang="en-US" smtClean="0"/>
-              <a:t>12/19/2021</a:t>
+              <a:t>12/27/2021</a:t>
             </a:fld>
             <a:endParaRPr lang="en-US" dirty="0"/>
           </a:p>
@@ -5583,12 +5583,12 @@
           </a:p>
           <a:p>
             <a:r>
-              <a:rPr lang="en-US" sz="2800" b="1" i="1" dirty="0" err="1">
-                <a:solidFill>
-                  <a:schemeClr val="tx1"/>
-                </a:solidFill>
-              </a:rPr>
-              <a:t>guessSubmit</a:t>
+              <a:rPr lang="en-US" sz="2800" b="1" i="1" dirty="0">
+                <a:solidFill>
+                  <a:schemeClr val="tx1"/>
+                </a:solidFill>
+              </a:rPr>
+              <a:t>button</a:t>
             </a:r>
             <a:r>
               <a:rPr lang="en-US" sz="2800" dirty="0">
@@ -6741,7 +6741,7 @@
                   <a:schemeClr val="tx1"/>
                 </a:solidFill>
               </a:rPr>
-              <a:t>Bubbling and Capture</a:t>
+              <a:t>Bubbling and Capture (1/2)</a:t>
             </a:r>
             <a:br>
               <a:rPr lang="en-US" dirty="0"/>
@@ -6907,7 +6907,7 @@
                   <a:schemeClr val="tx1"/>
                 </a:solidFill>
               </a:rPr>
-              <a:t>Bubbling and Capture</a:t>
+              <a:t>Bubbling and Capture (2/2)</a:t>
             </a:r>
             <a:br>
               <a:rPr lang="en-US" dirty="0"/>
@@ -7767,8 +7767,8 @@
         </p:blipFill>
         <p:spPr>
           <a:xfrm>
-            <a:off x="6348091" y="968072"/>
-            <a:ext cx="5072010" cy="3830070"/>
+            <a:off x="6450841" y="1045662"/>
+            <a:ext cx="4969259" cy="3752479"/>
           </a:xfrm>
           <a:prstGeom prst="rect">
             <a:avLst/>
@@ -7960,7 +7960,7 @@
             <p:ph idx="1"/>
             <p:extLst>
               <p:ext uri="{D42A27DB-BD31-4B8C-83A1-F6EECF244321}">
-                <p14:modId xmlns:p14="http://schemas.microsoft.com/office/powerpoint/2010/main" val="1823276876"/>
+                <p14:modId xmlns:p14="http://schemas.microsoft.com/office/powerpoint/2010/main" val="2733873126"/>
               </p:ext>
             </p:extLst>
           </p:nvPr>
@@ -9633,7 +9633,7 @@
         </p:spPr>
         <p:txBody>
           <a:bodyPr anchor="ctr">
-            <a:normAutofit lnSpcReduction="10000"/>
+            <a:normAutofit/>
           </a:bodyPr>
           <a:lstStyle/>
           <a:p>
@@ -9685,7 +9685,7 @@
                   <a:schemeClr val="tx1"/>
                 </a:solidFill>
               </a:rPr>
-              <a:t>A Web page is one document that can be </a:t>
+              <a:t>A Web page is a document that can be </a:t>
             </a:r>
           </a:p>
           <a:p>
@@ -10256,7 +10256,7 @@
               <a:t>tag which contains the </a:t>
             </a:r>
             <a:r>
-              <a:rPr lang="en-US" sz="2000" b="1" i="1" dirty="0">
+              <a:rPr lang="en-US" sz="2000" dirty="0">
                 <a:solidFill>
                   <a:srgbClr val="FF0000"/>
                 </a:solidFill>
@@ -10264,7 +10264,7 @@
               <a:t>.</a:t>
             </a:r>
             <a:r>
-              <a:rPr lang="en-US" sz="2000" b="1" i="1" dirty="0" err="1">
+              <a:rPr lang="en-US" sz="2000" dirty="0" err="1">
                 <a:solidFill>
                   <a:srgbClr val="FF0000"/>
                 </a:solidFill>
@@ -10272,7 +10272,7 @@
               <a:t>js</a:t>
             </a:r>
             <a:r>
-              <a:rPr lang="en-US" sz="2000" b="1" i="1" dirty="0">
+              <a:rPr lang="en-US" sz="2000" dirty="0">
                 <a:solidFill>
                   <a:srgbClr val="FF0000"/>
                 </a:solidFill>
@@ -10827,7 +10827,7 @@
           <p:nvPr>
             <p:extLst>
               <p:ext uri="{D42A27DB-BD31-4B8C-83A1-F6EECF244321}">
-                <p14:modId xmlns:p14="http://schemas.microsoft.com/office/powerpoint/2010/main" val="1964891073"/>
+                <p14:modId xmlns:p14="http://schemas.microsoft.com/office/powerpoint/2010/main" val="512119752"/>
               </p:ext>
             </p:extLst>
           </p:nvPr>
@@ -10991,6 +10991,18 @@
                         <a:defRPr/>
                       </a:pPr>
                       <a:r>
+                        <a:rPr lang="en-US" sz="1800" dirty="0"/>
+                        <a:t>Let </a:t>
+                      </a:r>
+                      <a:r>
+                        <a:rPr lang="en-US" sz="1800" dirty="0" err="1"/>
+                        <a:t>myLi</a:t>
+                      </a:r>
+                      <a:r>
+                        <a:rPr lang="en-US" sz="1800" dirty="0"/>
+                        <a:t> =</a:t>
+                      </a:r>
+                      <a:r>
                         <a:rPr lang="en-US" sz="1800" dirty="0" err="1"/>
                         <a:t>document.getElementsByTagName</a:t>
                       </a:r>
@@ -11004,23 +11016,7 @@
                             <a:srgbClr val="FF0000"/>
                           </a:solidFill>
                         </a:rPr>
-                        <a:t>“</a:t>
-                      </a:r>
-                      <a:r>
-                        <a:rPr lang="en-US" sz="1800" dirty="0" err="1">
-                          <a:solidFill>
-                            <a:srgbClr val="FF0000"/>
-                          </a:solidFill>
-                        </a:rPr>
-                        <a:t>myTag</a:t>
-                      </a:r>
-                      <a:r>
-                        <a:rPr lang="en-US" sz="1800" dirty="0">
-                          <a:solidFill>
-                            <a:srgbClr val="FF0000"/>
-                          </a:solidFill>
-                        </a:rPr>
-                        <a:t>”</a:t>
+                        <a:t>“li”</a:t>
                       </a:r>
                       <a:r>
                         <a:rPr lang="en-US" sz="1800" dirty="0"/>
@@ -11077,7 +11073,7 @@
                         <a:t>Returns an </a:t>
                       </a:r>
                       <a:r>
-                        <a:rPr lang="en-US" sz="1600" dirty="0" err="1"/>
+                        <a:rPr lang="en-US" sz="1600" b="1" i="1" dirty="0" err="1"/>
                         <a:t>HTMLCollection</a:t>
                       </a:r>
                       <a:r>
@@ -11258,7 +11254,7 @@
                         <a:t>Returns an </a:t>
                       </a:r>
                       <a:r>
-                        <a:rPr lang="en-US" sz="1600" dirty="0" err="1"/>
+                        <a:rPr lang="en-US" sz="1600" b="1" i="1" dirty="0" err="1"/>
                         <a:t>HTMLCollection</a:t>
                       </a:r>
                       <a:r>
@@ -11275,7 +11271,7 @@
                       </a:r>
                       <a:r>
                         <a:rPr lang="en-US" sz="1600" dirty="0"/>
-                        <a:t>’ is only needed for </a:t>
+                        <a:t>’ is needed for classes. The ‘</a:t>
                       </a:r>
                       <a:r>
                         <a:rPr lang="en-US" sz="1600" dirty="0">
@@ -11283,40 +11279,17 @@
                             <a:srgbClr val="FF0000"/>
                           </a:solidFill>
                         </a:rPr>
-                        <a:t>.</a:t>
-                      </a:r>
-                      <a:r>
-                        <a:rPr lang="en-US" sz="1600" dirty="0" err="1">
-                          <a:solidFill>
-                            <a:srgbClr val="FF0000"/>
-                          </a:solidFill>
-                        </a:rPr>
-                        <a:t>querySelector</a:t>
-                      </a:r>
-                      <a:r>
-                        <a:rPr lang="en-US" sz="1600" dirty="0">
-                          <a:solidFill>
-                            <a:srgbClr val="FF0000"/>
-                          </a:solidFill>
-                        </a:rPr>
-                        <a:t>(.</a:t>
-                      </a:r>
-                      <a:r>
-                        <a:rPr lang="en-US" sz="1600" dirty="0" err="1">
-                          <a:solidFill>
-                            <a:srgbClr val="FF0000"/>
-                          </a:solidFill>
-                        </a:rPr>
-                        <a:t>className</a:t>
-                      </a:r>
-                      <a:r>
-                        <a:rPr lang="en-US" sz="1600" dirty="0">
-                          <a:solidFill>
-                            <a:srgbClr val="FF0000"/>
-                          </a:solidFill>
-                        </a:rPr>
-                        <a:t>)</a:t>
-                      </a:r>
+                        <a:t>#</a:t>
+                      </a:r>
+                      <a:r>
+                        <a:rPr lang="en-US" sz="1600" dirty="0"/>
+                        <a:t>’ is need for id’s.</a:t>
+                      </a:r>
+                      <a:endParaRPr lang="en-US" sz="1600" dirty="0">
+                        <a:solidFill>
+                          <a:srgbClr val="FF0000"/>
+                        </a:solidFill>
+                      </a:endParaRPr>
                     </a:p>
                   </a:txBody>
                   <a:tcPr anchor="ctr">
@@ -11576,8 +11549,12 @@
                         <a:defRPr/>
                       </a:pPr>
                       <a:r>
+                        <a:rPr lang="en-US" sz="1800" dirty="0" err="1"/>
+                        <a:t>document.querySelector</a:t>
+                      </a:r>
+                      <a:r>
                         <a:rPr lang="en-US" sz="1800" dirty="0"/>
-                        <a:t>document.querySelector(</a:t>
+                        <a:t>(</a:t>
                       </a:r>
                       <a:r>
                         <a:rPr lang="en-US" sz="1800" dirty="0">
@@ -11585,7 +11562,23 @@
                             <a:srgbClr val="FF0000"/>
                           </a:solidFill>
                         </a:rPr>
-                        <a:t>“li”</a:t>
+                        <a:t>“#</a:t>
+                      </a:r>
+                      <a:r>
+                        <a:rPr lang="en-US" sz="1800" dirty="0" err="1">
+                          <a:solidFill>
+                            <a:srgbClr val="FF0000"/>
+                          </a:solidFill>
+                        </a:rPr>
+                        <a:t>myId</a:t>
+                      </a:r>
+                      <a:r>
+                        <a:rPr lang="en-US" sz="1800" dirty="0">
+                          <a:solidFill>
+                            <a:srgbClr val="FF0000"/>
+                          </a:solidFill>
+                        </a:rPr>
+                        <a:t>”</a:t>
                       </a:r>
                       <a:r>
                         <a:rPr lang="en-US" sz="1800" dirty="0"/>
@@ -11647,7 +11640,7 @@
                       </a:r>
                       <a:r>
                         <a:rPr lang="en-US" sz="1600" dirty="0"/>
-                        <a:t>element that matches the specified CSS selector.</a:t>
+                        <a:t>element that matches the specified selector.</a:t>
                       </a:r>
                     </a:p>
                   </a:txBody>
@@ -11802,12 +11795,12 @@
                         <a:t>Returns an </a:t>
                       </a:r>
                       <a:r>
-                        <a:rPr lang="en-US" sz="1600" dirty="0" err="1"/>
+                        <a:rPr lang="en-US" sz="1600" b="1" i="1" dirty="0" err="1"/>
                         <a:t>HTMLCollection</a:t>
                       </a:r>
                       <a:r>
                         <a:rPr lang="en-US" sz="1600" dirty="0"/>
-                        <a:t> of the elements that match the specified CSS selector.</a:t>
+                        <a:t> of the elements that match the specified selector.</a:t>
                       </a:r>
                     </a:p>
                   </a:txBody>
@@ -12796,7 +12789,7 @@
           <p:nvPr>
             <p:extLst>
               <p:ext uri="{D42A27DB-BD31-4B8C-83A1-F6EECF244321}">
-                <p14:modId xmlns:p14="http://schemas.microsoft.com/office/powerpoint/2010/main" val="782977719"/>
+                <p14:modId xmlns:p14="http://schemas.microsoft.com/office/powerpoint/2010/main" val="176122294"/>
               </p:ext>
             </p:extLst>
           </p:nvPr>
